--- a/Project.PPTX
+++ b/Project.PPTX
@@ -4048,7 +4048,27 @@
                   </a:schemeClr>
                 </a:solidFill>
               </a:rPr>
-              <a:t>Реализация методов шифрования  и шифровки разными способами, такими как: шифр Цезаря, литорея и т.д.</a:t>
+              <a:t>Реализация методов </a:t>
+            </a:r>
+            <a:r>
+              <a:rPr lang="ru-RU" sz="2000">
+                <a:solidFill>
+                  <a:schemeClr val="bg1">
+                    <a:lumMod val="95000"/>
+                  </a:schemeClr>
+                </a:solidFill>
+              </a:rPr>
+              <a:t>шифрования  разными </a:t>
+            </a:r>
+            <a:r>
+              <a:rPr lang="ru-RU" sz="2000" dirty="0">
+                <a:solidFill>
+                  <a:schemeClr val="bg1">
+                    <a:lumMod val="95000"/>
+                  </a:schemeClr>
+                </a:solidFill>
+              </a:rPr>
+              <a:t>способами, такими как: шифр Цезаря, литорея и т.д.</a:t>
             </a:r>
           </a:p>
           <a:p>

--- a/Project.PPTX
+++ b/Project.PPTX
@@ -3964,8 +3964,8 @@
         </p:nvSpPr>
         <p:spPr>
           <a:xfrm>
-            <a:off x="462011" y="3316908"/>
-            <a:ext cx="5921372" cy="3170099"/>
+            <a:off x="462011" y="3648937"/>
+            <a:ext cx="5921372" cy="2554545"/>
           </a:xfrm>
           <a:prstGeom prst="rect">
             <a:avLst/>
@@ -3994,10 +3994,6 @@
             </a:r>
           </a:p>
           <a:p>
-            <a:pPr marL="342900" indent="-342900">
-              <a:buFont typeface="Arial" panose="020B0604020202020204" pitchFamily="34" charset="0"/>
-              <a:buChar char="•"/>
-            </a:pPr>
             <a:endParaRPr lang="ru-RU" sz="2000" dirty="0">
               <a:solidFill>
                 <a:schemeClr val="bg1">
@@ -4019,56 +4015,7 @@
                   </a:schemeClr>
                 </a:solidFill>
               </a:rPr>
-              <a:t>Создание личного кабинета.</a:t>
-            </a:r>
-          </a:p>
-          <a:p>
-            <a:pPr marL="342900" indent="-342900">
-              <a:buFont typeface="Arial" panose="020B0604020202020204" pitchFamily="34" charset="0"/>
-              <a:buChar char="•"/>
-            </a:pPr>
-            <a:endParaRPr lang="ru-RU" sz="2000" dirty="0">
-              <a:solidFill>
-                <a:schemeClr val="bg1">
-                  <a:lumMod val="95000"/>
-                </a:schemeClr>
-              </a:solidFill>
-            </a:endParaRPr>
-          </a:p>
-          <a:p>
-            <a:pPr marL="342900" indent="-342900">
-              <a:buFont typeface="Arial" panose="020B0604020202020204" pitchFamily="34" charset="0"/>
-              <a:buChar char="•"/>
-            </a:pPr>
-            <a:r>
-              <a:rPr lang="ru-RU" sz="2000" dirty="0">
-                <a:solidFill>
-                  <a:schemeClr val="bg1">
-                    <a:lumMod val="95000"/>
-                  </a:schemeClr>
-                </a:solidFill>
-              </a:rPr>
-              <a:t>Реализация методов </a:t>
-            </a:r>
-            <a:r>
-              <a:rPr lang="ru-RU" sz="2000">
-                <a:solidFill>
-                  <a:schemeClr val="bg1">
-                    <a:lumMod val="95000"/>
-                  </a:schemeClr>
-                </a:solidFill>
-              </a:rPr>
-              <a:t>шифрования  разными </a:t>
-            </a:r>
-            <a:r>
-              <a:rPr lang="ru-RU" sz="2000" dirty="0">
-                <a:solidFill>
-                  <a:schemeClr val="bg1">
-                    <a:lumMod val="95000"/>
-                  </a:schemeClr>
-                </a:solidFill>
-              </a:rPr>
-              <a:t>способами, такими как: шифр Цезаря, литорея и т.д.</a:t>
+              <a:t>Реализация методов шифрования  разными способами, такими как: шифр Цезаря, литорея и т.д.</a:t>
             </a:r>
           </a:p>
           <a:p>
